--- a/修論/本文/figure/fig_3_1_3QW_broadcontact_IL.pptx
+++ b/修論/本文/figure/fig_3_1_3QW_broadcontact_IL.pptx
@@ -270,7 +270,7 @@
           <a:p>
             <a:fld id="{7B2C231C-A4B7-694E-AAA8-A398016C186A}" type="datetimeFigureOut">
               <a:rPr kumimoji="1" lang="ja-JP" altLang="en-US" smtClean="0"/>
-              <a:t>2018/12/17</a:t>
+              <a:t>2018/12/18</a:t>
             </a:fld>
             <a:endParaRPr kumimoji="1" lang="ja-JP" altLang="en-US"/>
           </a:p>
@@ -475,7 +475,7 @@
           <a:p>
             <a:fld id="{7B2C231C-A4B7-694E-AAA8-A398016C186A}" type="datetimeFigureOut">
               <a:rPr kumimoji="1" lang="ja-JP" altLang="en-US" smtClean="0"/>
-              <a:t>2018/12/17</a:t>
+              <a:t>2018/12/18</a:t>
             </a:fld>
             <a:endParaRPr kumimoji="1" lang="ja-JP" altLang="en-US"/>
           </a:p>
@@ -690,7 +690,7 @@
           <a:p>
             <a:fld id="{7B2C231C-A4B7-694E-AAA8-A398016C186A}" type="datetimeFigureOut">
               <a:rPr kumimoji="1" lang="ja-JP" altLang="en-US" smtClean="0"/>
-              <a:t>2018/12/17</a:t>
+              <a:t>2018/12/18</a:t>
             </a:fld>
             <a:endParaRPr kumimoji="1" lang="ja-JP" altLang="en-US"/>
           </a:p>
@@ -895,7 +895,7 @@
           <a:p>
             <a:fld id="{7B2C231C-A4B7-694E-AAA8-A398016C186A}" type="datetimeFigureOut">
               <a:rPr kumimoji="1" lang="ja-JP" altLang="en-US" smtClean="0"/>
-              <a:t>2018/12/17</a:t>
+              <a:t>2018/12/18</a:t>
             </a:fld>
             <a:endParaRPr kumimoji="1" lang="ja-JP" altLang="en-US"/>
           </a:p>
@@ -1205,7 +1205,7 @@
           <a:p>
             <a:fld id="{7B2C231C-A4B7-694E-AAA8-A398016C186A}" type="datetimeFigureOut">
               <a:rPr kumimoji="1" lang="ja-JP" altLang="en-US" smtClean="0"/>
-              <a:t>2018/12/17</a:t>
+              <a:t>2018/12/18</a:t>
             </a:fld>
             <a:endParaRPr kumimoji="1" lang="ja-JP" altLang="en-US"/>
           </a:p>
@@ -1484,7 +1484,7 @@
           <a:p>
             <a:fld id="{7B2C231C-A4B7-694E-AAA8-A398016C186A}" type="datetimeFigureOut">
               <a:rPr kumimoji="1" lang="ja-JP" altLang="en-US" smtClean="0"/>
-              <a:t>2018/12/17</a:t>
+              <a:t>2018/12/18</a:t>
             </a:fld>
             <a:endParaRPr kumimoji="1" lang="ja-JP" altLang="en-US"/>
           </a:p>
@@ -1980,7 +1980,7 @@
           <a:p>
             <a:fld id="{7B2C231C-A4B7-694E-AAA8-A398016C186A}" type="datetimeFigureOut">
               <a:rPr kumimoji="1" lang="ja-JP" altLang="en-US" smtClean="0"/>
-              <a:t>2018/12/17</a:t>
+              <a:t>2018/12/18</a:t>
             </a:fld>
             <a:endParaRPr kumimoji="1" lang="ja-JP" altLang="en-US"/>
           </a:p>
@@ -2121,7 +2121,7 @@
           <a:p>
             <a:fld id="{7B2C231C-A4B7-694E-AAA8-A398016C186A}" type="datetimeFigureOut">
               <a:rPr kumimoji="1" lang="ja-JP" altLang="en-US" smtClean="0"/>
-              <a:t>2018/12/17</a:t>
+              <a:t>2018/12/18</a:t>
             </a:fld>
             <a:endParaRPr kumimoji="1" lang="ja-JP" altLang="en-US"/>
           </a:p>
@@ -2234,7 +2234,7 @@
           <a:p>
             <a:fld id="{7B2C231C-A4B7-694E-AAA8-A398016C186A}" type="datetimeFigureOut">
               <a:rPr kumimoji="1" lang="ja-JP" altLang="en-US" smtClean="0"/>
-              <a:t>2018/12/17</a:t>
+              <a:t>2018/12/18</a:t>
             </a:fld>
             <a:endParaRPr kumimoji="1" lang="ja-JP" altLang="en-US"/>
           </a:p>
@@ -2587,7 +2587,7 @@
           <a:p>
             <a:fld id="{7B2C231C-A4B7-694E-AAA8-A398016C186A}" type="datetimeFigureOut">
               <a:rPr kumimoji="1" lang="ja-JP" altLang="en-US" smtClean="0"/>
-              <a:t>2018/12/17</a:t>
+              <a:t>2018/12/18</a:t>
             </a:fld>
             <a:endParaRPr kumimoji="1" lang="ja-JP" altLang="en-US"/>
           </a:p>
@@ -2910,7 +2910,7 @@
           <a:p>
             <a:fld id="{7B2C231C-A4B7-694E-AAA8-A398016C186A}" type="datetimeFigureOut">
               <a:rPr kumimoji="1" lang="ja-JP" altLang="en-US" smtClean="0"/>
-              <a:t>2018/12/17</a:t>
+              <a:t>2018/12/18</a:t>
             </a:fld>
             <a:endParaRPr kumimoji="1" lang="ja-JP" altLang="en-US"/>
           </a:p>
@@ -3158,7 +3158,7 @@
           <a:p>
             <a:fld id="{7B2C231C-A4B7-694E-AAA8-A398016C186A}" type="datetimeFigureOut">
               <a:rPr kumimoji="1" lang="ja-JP" altLang="en-US" smtClean="0"/>
-              <a:t>2018/12/17</a:t>
+              <a:t>2018/12/18</a:t>
             </a:fld>
             <a:endParaRPr kumimoji="1" lang="ja-JP" altLang="en-US"/>
           </a:p>
@@ -3577,10 +3577,10 @@
       </p:grpSpPr>
       <p:pic>
         <p:nvPicPr>
-          <p:cNvPr id="6" name="図 5">
-            <a:extLst>
-              <a:ext uri="{FF2B5EF4-FFF2-40B4-BE49-F238E27FC236}">
-                <a16:creationId xmlns:a16="http://schemas.microsoft.com/office/drawing/2014/main" id="{0FE0E056-1802-4C49-ADF1-996BC5850415}"/>
+          <p:cNvPr id="2" name="図 1">
+            <a:extLst>
+              <a:ext uri="{FF2B5EF4-FFF2-40B4-BE49-F238E27FC236}">
+                <a16:creationId xmlns:a16="http://schemas.microsoft.com/office/drawing/2014/main" id="{20C72455-EB63-4932-AC69-7199826D3C4F}"/>
               </a:ext>
             </a:extLst>
           </p:cNvPr>
@@ -3597,14 +3597,116 @@
         </p:blipFill>
         <p:spPr>
           <a:xfrm>
-            <a:off x="3751630" y="1672474"/>
-            <a:ext cx="4688740" cy="3513051"/>
+            <a:off x="1519559" y="1672474"/>
+            <a:ext cx="4699414" cy="3513051"/>
           </a:xfrm>
           <a:prstGeom prst="rect">
             <a:avLst/>
           </a:prstGeom>
         </p:spPr>
       </p:pic>
+      <p:pic>
+        <p:nvPicPr>
+          <p:cNvPr id="3" name="図 2">
+            <a:extLst>
+              <a:ext uri="{FF2B5EF4-FFF2-40B4-BE49-F238E27FC236}">
+                <a16:creationId xmlns:a16="http://schemas.microsoft.com/office/drawing/2014/main" id="{A837D7E5-A23C-4C55-A627-A09EA746885E}"/>
+              </a:ext>
+            </a:extLst>
+          </p:cNvPr>
+          <p:cNvPicPr>
+            <a:picLocks noChangeAspect="1"/>
+          </p:cNvPicPr>
+          <p:nvPr/>
+        </p:nvPicPr>
+        <p:blipFill>
+          <a:blip r:embed="rId3"/>
+          <a:stretch>
+            <a:fillRect/>
+          </a:stretch>
+        </p:blipFill>
+        <p:spPr>
+          <a:xfrm>
+            <a:off x="6125507" y="1672474"/>
+            <a:ext cx="4546934" cy="3513051"/>
+          </a:xfrm>
+          <a:prstGeom prst="rect">
+            <a:avLst/>
+          </a:prstGeom>
+        </p:spPr>
+      </p:pic>
+      <p:sp>
+        <p:nvSpPr>
+          <p:cNvPr id="5" name="テキスト ボックス 4">
+            <a:extLst>
+              <a:ext uri="{FF2B5EF4-FFF2-40B4-BE49-F238E27FC236}">
+                <a16:creationId xmlns:a16="http://schemas.microsoft.com/office/drawing/2014/main" id="{5524BF15-AC5B-49A7-B63C-0881D21A021C}"/>
+              </a:ext>
+            </a:extLst>
+          </p:cNvPr>
+          <p:cNvSpPr txBox="1"/>
+          <p:nvPr/>
+        </p:nvSpPr>
+        <p:spPr>
+          <a:xfrm>
+            <a:off x="1638300" y="1489509"/>
+            <a:ext cx="1041400" cy="369332"/>
+          </a:xfrm>
+          <a:prstGeom prst="rect">
+            <a:avLst/>
+          </a:prstGeom>
+          <a:noFill/>
+        </p:spPr>
+        <p:txBody>
+          <a:bodyPr wrap="square" rtlCol="0">
+            <a:spAutoFit/>
+          </a:bodyPr>
+          <a:lstStyle/>
+          <a:p>
+            <a:r>
+              <a:rPr kumimoji="1" lang="en-US" altLang="ja-JP" dirty="0"/>
+              <a:t>(a)</a:t>
+            </a:r>
+            <a:endParaRPr kumimoji="1" lang="ja-JP" altLang="en-US" dirty="0"/>
+          </a:p>
+        </p:txBody>
+      </p:sp>
+      <p:sp>
+        <p:nvSpPr>
+          <p:cNvPr id="7" name="テキスト ボックス 6">
+            <a:extLst>
+              <a:ext uri="{FF2B5EF4-FFF2-40B4-BE49-F238E27FC236}">
+                <a16:creationId xmlns:a16="http://schemas.microsoft.com/office/drawing/2014/main" id="{2ABF478C-BBCF-41EF-B533-A6AA47EDB4D9}"/>
+              </a:ext>
+            </a:extLst>
+          </p:cNvPr>
+          <p:cNvSpPr txBox="1"/>
+          <p:nvPr/>
+        </p:nvSpPr>
+        <p:spPr>
+          <a:xfrm>
+            <a:off x="6235946" y="1489509"/>
+            <a:ext cx="1041400" cy="369332"/>
+          </a:xfrm>
+          <a:prstGeom prst="rect">
+            <a:avLst/>
+          </a:prstGeom>
+          <a:noFill/>
+        </p:spPr>
+        <p:txBody>
+          <a:bodyPr wrap="square" rtlCol="0">
+            <a:spAutoFit/>
+          </a:bodyPr>
+          <a:lstStyle/>
+          <a:p>
+            <a:r>
+              <a:rPr kumimoji="1" lang="en-US" altLang="ja-JP" dirty="0"/>
+              <a:t>(b)</a:t>
+            </a:r>
+            <a:endParaRPr kumimoji="1" lang="ja-JP" altLang="en-US" dirty="0"/>
+          </a:p>
+        </p:txBody>
+      </p:sp>
     </p:spTree>
     <p:extLst>
       <p:ext uri="{BB962C8B-B14F-4D97-AF65-F5344CB8AC3E}">

--- a/修論/本文/figure/fig_3_1_3QW_broadcontact_IL.pptx
+++ b/修論/本文/figure/fig_3_1_3QW_broadcontact_IL.pptx
@@ -270,7 +270,7 @@
           <a:p>
             <a:fld id="{7B2C231C-A4B7-694E-AAA8-A398016C186A}" type="datetimeFigureOut">
               <a:rPr kumimoji="1" lang="ja-JP" altLang="en-US" smtClean="0"/>
-              <a:t>2018/12/18</a:t>
+              <a:t>2019/1/4</a:t>
             </a:fld>
             <a:endParaRPr kumimoji="1" lang="ja-JP" altLang="en-US"/>
           </a:p>
@@ -475,7 +475,7 @@
           <a:p>
             <a:fld id="{7B2C231C-A4B7-694E-AAA8-A398016C186A}" type="datetimeFigureOut">
               <a:rPr kumimoji="1" lang="ja-JP" altLang="en-US" smtClean="0"/>
-              <a:t>2018/12/18</a:t>
+              <a:t>2019/1/4</a:t>
             </a:fld>
             <a:endParaRPr kumimoji="1" lang="ja-JP" altLang="en-US"/>
           </a:p>
@@ -690,7 +690,7 @@
           <a:p>
             <a:fld id="{7B2C231C-A4B7-694E-AAA8-A398016C186A}" type="datetimeFigureOut">
               <a:rPr kumimoji="1" lang="ja-JP" altLang="en-US" smtClean="0"/>
-              <a:t>2018/12/18</a:t>
+              <a:t>2019/1/4</a:t>
             </a:fld>
             <a:endParaRPr kumimoji="1" lang="ja-JP" altLang="en-US"/>
           </a:p>
@@ -895,7 +895,7 @@
           <a:p>
             <a:fld id="{7B2C231C-A4B7-694E-AAA8-A398016C186A}" type="datetimeFigureOut">
               <a:rPr kumimoji="1" lang="ja-JP" altLang="en-US" smtClean="0"/>
-              <a:t>2018/12/18</a:t>
+              <a:t>2019/1/4</a:t>
             </a:fld>
             <a:endParaRPr kumimoji="1" lang="ja-JP" altLang="en-US"/>
           </a:p>
@@ -1205,7 +1205,7 @@
           <a:p>
             <a:fld id="{7B2C231C-A4B7-694E-AAA8-A398016C186A}" type="datetimeFigureOut">
               <a:rPr kumimoji="1" lang="ja-JP" altLang="en-US" smtClean="0"/>
-              <a:t>2018/12/18</a:t>
+              <a:t>2019/1/4</a:t>
             </a:fld>
             <a:endParaRPr kumimoji="1" lang="ja-JP" altLang="en-US"/>
           </a:p>
@@ -1484,7 +1484,7 @@
           <a:p>
             <a:fld id="{7B2C231C-A4B7-694E-AAA8-A398016C186A}" type="datetimeFigureOut">
               <a:rPr kumimoji="1" lang="ja-JP" altLang="en-US" smtClean="0"/>
-              <a:t>2018/12/18</a:t>
+              <a:t>2019/1/4</a:t>
             </a:fld>
             <a:endParaRPr kumimoji="1" lang="ja-JP" altLang="en-US"/>
           </a:p>
@@ -1980,7 +1980,7 @@
           <a:p>
             <a:fld id="{7B2C231C-A4B7-694E-AAA8-A398016C186A}" type="datetimeFigureOut">
               <a:rPr kumimoji="1" lang="ja-JP" altLang="en-US" smtClean="0"/>
-              <a:t>2018/12/18</a:t>
+              <a:t>2019/1/4</a:t>
             </a:fld>
             <a:endParaRPr kumimoji="1" lang="ja-JP" altLang="en-US"/>
           </a:p>
@@ -2121,7 +2121,7 @@
           <a:p>
             <a:fld id="{7B2C231C-A4B7-694E-AAA8-A398016C186A}" type="datetimeFigureOut">
               <a:rPr kumimoji="1" lang="ja-JP" altLang="en-US" smtClean="0"/>
-              <a:t>2018/12/18</a:t>
+              <a:t>2019/1/4</a:t>
             </a:fld>
             <a:endParaRPr kumimoji="1" lang="ja-JP" altLang="en-US"/>
           </a:p>
@@ -2234,7 +2234,7 @@
           <a:p>
             <a:fld id="{7B2C231C-A4B7-694E-AAA8-A398016C186A}" type="datetimeFigureOut">
               <a:rPr kumimoji="1" lang="ja-JP" altLang="en-US" smtClean="0"/>
-              <a:t>2018/12/18</a:t>
+              <a:t>2019/1/4</a:t>
             </a:fld>
             <a:endParaRPr kumimoji="1" lang="ja-JP" altLang="en-US"/>
           </a:p>
@@ -2587,7 +2587,7 @@
           <a:p>
             <a:fld id="{7B2C231C-A4B7-694E-AAA8-A398016C186A}" type="datetimeFigureOut">
               <a:rPr kumimoji="1" lang="ja-JP" altLang="en-US" smtClean="0"/>
-              <a:t>2018/12/18</a:t>
+              <a:t>2019/1/4</a:t>
             </a:fld>
             <a:endParaRPr kumimoji="1" lang="ja-JP" altLang="en-US"/>
           </a:p>
@@ -2910,7 +2910,7 @@
           <a:p>
             <a:fld id="{7B2C231C-A4B7-694E-AAA8-A398016C186A}" type="datetimeFigureOut">
               <a:rPr kumimoji="1" lang="ja-JP" altLang="en-US" smtClean="0"/>
-              <a:t>2018/12/18</a:t>
+              <a:t>2019/1/4</a:t>
             </a:fld>
             <a:endParaRPr kumimoji="1" lang="ja-JP" altLang="en-US"/>
           </a:p>
@@ -3158,7 +3158,7 @@
           <a:p>
             <a:fld id="{7B2C231C-A4B7-694E-AAA8-A398016C186A}" type="datetimeFigureOut">
               <a:rPr kumimoji="1" lang="ja-JP" altLang="en-US" smtClean="0"/>
-              <a:t>2018/12/18</a:t>
+              <a:t>2019/1/4</a:t>
             </a:fld>
             <a:endParaRPr kumimoji="1" lang="ja-JP" altLang="en-US"/>
           </a:p>
@@ -3577,10 +3577,10 @@
       </p:grpSpPr>
       <p:pic>
         <p:nvPicPr>
-          <p:cNvPr id="2" name="図 1">
-            <a:extLst>
-              <a:ext uri="{FF2B5EF4-FFF2-40B4-BE49-F238E27FC236}">
-                <a16:creationId xmlns:a16="http://schemas.microsoft.com/office/drawing/2014/main" id="{20C72455-EB63-4932-AC69-7199826D3C4F}"/>
+          <p:cNvPr id="3" name="図 2">
+            <a:extLst>
+              <a:ext uri="{FF2B5EF4-FFF2-40B4-BE49-F238E27FC236}">
+                <a16:creationId xmlns:a16="http://schemas.microsoft.com/office/drawing/2014/main" id="{A837D7E5-A23C-4C55-A627-A09EA746885E}"/>
               </a:ext>
             </a:extLst>
           </p:cNvPr>
@@ -3591,36 +3591,6 @@
         </p:nvPicPr>
         <p:blipFill>
           <a:blip r:embed="rId2"/>
-          <a:stretch>
-            <a:fillRect/>
-          </a:stretch>
-        </p:blipFill>
-        <p:spPr>
-          <a:xfrm>
-            <a:off x="1519559" y="1672474"/>
-            <a:ext cx="4699414" cy="3513051"/>
-          </a:xfrm>
-          <a:prstGeom prst="rect">
-            <a:avLst/>
-          </a:prstGeom>
-        </p:spPr>
-      </p:pic>
-      <p:pic>
-        <p:nvPicPr>
-          <p:cNvPr id="3" name="図 2">
-            <a:extLst>
-              <a:ext uri="{FF2B5EF4-FFF2-40B4-BE49-F238E27FC236}">
-                <a16:creationId xmlns:a16="http://schemas.microsoft.com/office/drawing/2014/main" id="{A837D7E5-A23C-4C55-A627-A09EA746885E}"/>
-              </a:ext>
-            </a:extLst>
-          </p:cNvPr>
-          <p:cNvPicPr>
-            <a:picLocks noChangeAspect="1"/>
-          </p:cNvPicPr>
-          <p:nvPr/>
-        </p:nvPicPr>
-        <p:blipFill>
-          <a:blip r:embed="rId3"/>
           <a:stretch>
             <a:fillRect/>
           </a:stretch>
@@ -3707,6 +3677,36 @@
           </a:p>
         </p:txBody>
       </p:sp>
+      <p:pic>
+        <p:nvPicPr>
+          <p:cNvPr id="6" name="図 5">
+            <a:extLst>
+              <a:ext uri="{FF2B5EF4-FFF2-40B4-BE49-F238E27FC236}">
+                <a16:creationId xmlns:a16="http://schemas.microsoft.com/office/drawing/2014/main" id="{BA164B07-603F-4648-83B5-CA93E5667EC9}"/>
+              </a:ext>
+            </a:extLst>
+          </p:cNvPr>
+          <p:cNvPicPr>
+            <a:picLocks noChangeAspect="1"/>
+          </p:cNvPicPr>
+          <p:nvPr/>
+        </p:nvPicPr>
+        <p:blipFill>
+          <a:blip r:embed="rId3"/>
+          <a:stretch>
+            <a:fillRect/>
+          </a:stretch>
+        </p:blipFill>
+        <p:spPr>
+          <a:xfrm>
+            <a:off x="1528046" y="1672473"/>
+            <a:ext cx="4699414" cy="3513051"/>
+          </a:xfrm>
+          <a:prstGeom prst="rect">
+            <a:avLst/>
+          </a:prstGeom>
+        </p:spPr>
+      </p:pic>
     </p:spTree>
     <p:extLst>
       <p:ext uri="{BB962C8B-B14F-4D97-AF65-F5344CB8AC3E}">
